--- a/Project_Proposal_Slides_LV.pptx
+++ b/Project_Proposal_Slides_LV.pptx
@@ -110,6 +110,11 @@
       </a:defRPr>
     </a:lvl9pPr>
   </p:defaultTextStyle>
+  <p:extLst>
+    <p:ext uri="{EFAFB233-063F-42B5-8137-9DF3F51BA10A}">
+      <p15:sldGuideLst xmlns:p15="http://schemas.microsoft.com/office/powerpoint/2012/main"/>
+    </p:ext>
+  </p:extLst>
 </p:presentation>
 </file>
 
@@ -195,7 +200,7 @@
           <a:p>
             <a:fld id="{0728AB40-FA66-4623-9ED9-611FF50BD7FC}" type="datetimeFigureOut">
               <a:rPr lang="en-US" smtClean="0"/>
-              <a:t>9/28/2021</a:t>
+              <a:t>9/30/2021</a:t>
             </a:fld>
             <a:endParaRPr lang="en-US"/>
           </a:p>
@@ -761,7 +766,7 @@
           <a:p>
             <a:fld id="{BFB827FB-318A-451D-9B42-EF4130AC7EE5}" type="datetimeFigureOut">
               <a:rPr lang="en-US" smtClean="0"/>
-              <a:t>9/28/2021</a:t>
+              <a:t>9/30/2021</a:t>
             </a:fld>
             <a:endParaRPr lang="en-US"/>
           </a:p>
@@ -989,7 +994,7 @@
           <a:p>
             <a:fld id="{BFB827FB-318A-451D-9B42-EF4130AC7EE5}" type="datetimeFigureOut">
               <a:rPr lang="en-US" smtClean="0"/>
-              <a:t>9/28/2021</a:t>
+              <a:t>9/30/2021</a:t>
             </a:fld>
             <a:endParaRPr lang="en-US"/>
           </a:p>
@@ -1169,7 +1174,7 @@
           <a:p>
             <a:fld id="{BFB827FB-318A-451D-9B42-EF4130AC7EE5}" type="datetimeFigureOut">
               <a:rPr lang="en-US" smtClean="0"/>
-              <a:t>9/28/2021</a:t>
+              <a:t>9/30/2021</a:t>
             </a:fld>
             <a:endParaRPr lang="en-US"/>
           </a:p>
@@ -1339,7 +1344,7 @@
           <a:p>
             <a:fld id="{BFB827FB-318A-451D-9B42-EF4130AC7EE5}" type="datetimeFigureOut">
               <a:rPr lang="en-US" smtClean="0"/>
-              <a:t>9/28/2021</a:t>
+              <a:t>9/30/2021</a:t>
             </a:fld>
             <a:endParaRPr lang="en-US"/>
           </a:p>
@@ -1593,7 +1598,7 @@
           <a:p>
             <a:fld id="{BFB827FB-318A-451D-9B42-EF4130AC7EE5}" type="datetimeFigureOut">
               <a:rPr lang="en-US" smtClean="0"/>
-              <a:t>9/28/2021</a:t>
+              <a:t>9/30/2021</a:t>
             </a:fld>
             <a:endParaRPr lang="en-US"/>
           </a:p>
@@ -1919,7 +1924,7 @@
           <a:p>
             <a:fld id="{BFB827FB-318A-451D-9B42-EF4130AC7EE5}" type="datetimeFigureOut">
               <a:rPr lang="en-US" smtClean="0"/>
-              <a:t>9/28/2021</a:t>
+              <a:t>9/30/2021</a:t>
             </a:fld>
             <a:endParaRPr lang="en-US"/>
           </a:p>
@@ -2370,7 +2375,7 @@
           <a:p>
             <a:fld id="{BFB827FB-318A-451D-9B42-EF4130AC7EE5}" type="datetimeFigureOut">
               <a:rPr lang="en-US" smtClean="0"/>
-              <a:t>9/28/2021</a:t>
+              <a:t>9/30/2021</a:t>
             </a:fld>
             <a:endParaRPr lang="en-US"/>
           </a:p>
@@ -2488,7 +2493,7 @@
           <a:p>
             <a:fld id="{BFB827FB-318A-451D-9B42-EF4130AC7EE5}" type="datetimeFigureOut">
               <a:rPr lang="en-US" smtClean="0"/>
-              <a:t>9/28/2021</a:t>
+              <a:t>9/30/2021</a:t>
             </a:fld>
             <a:endParaRPr lang="en-US"/>
           </a:p>
@@ -2583,7 +2588,7 @@
           <a:p>
             <a:fld id="{BFB827FB-318A-451D-9B42-EF4130AC7EE5}" type="datetimeFigureOut">
               <a:rPr lang="en-US" smtClean="0"/>
-              <a:t>9/28/2021</a:t>
+              <a:t>9/30/2021</a:t>
             </a:fld>
             <a:endParaRPr lang="en-US"/>
           </a:p>
@@ -2870,7 +2875,7 @@
           <a:p>
             <a:fld id="{BFB827FB-318A-451D-9B42-EF4130AC7EE5}" type="datetimeFigureOut">
               <a:rPr lang="en-US" smtClean="0"/>
-              <a:t>9/28/2021</a:t>
+              <a:t>9/30/2021</a:t>
             </a:fld>
             <a:endParaRPr lang="en-US"/>
           </a:p>
@@ -3192,7 +3197,7 @@
           <a:p>
             <a:fld id="{BFB827FB-318A-451D-9B42-EF4130AC7EE5}" type="datetimeFigureOut">
               <a:rPr lang="en-US" smtClean="0"/>
-              <a:t>9/28/2021</a:t>
+              <a:t>9/30/2021</a:t>
             </a:fld>
             <a:endParaRPr lang="en-US"/>
           </a:p>
@@ -3446,7 +3451,7 @@
           <a:p>
             <a:fld id="{BFB827FB-318A-451D-9B42-EF4130AC7EE5}" type="datetimeFigureOut">
               <a:rPr lang="en-US" smtClean="0"/>
-              <a:t>9/28/2021</a:t>
+              <a:t>9/30/2021</a:t>
             </a:fld>
             <a:endParaRPr lang="en-US"/>
           </a:p>
@@ -4572,10 +4577,17 @@
             </a:r>
           </a:p>
           <a:p>
+            <a:pPr lvl="2"/>
+            <a:r>
+              <a:rPr lang="en-US" dirty="0"/>
+              <a:t>Generalized additive models with variable coefficients: latitude, longitude, day of year, salinity, temperature</a:t>
+            </a:r>
+          </a:p>
+          <a:p>
             <a:pPr lvl="1"/>
             <a:r>
               <a:rPr lang="en-US" dirty="0"/>
-              <a:t>A subset or separate repository with data cleaning processes of CTD data and subsequent incorporation into analyses </a:t>
+              <a:t>A subset or separate repository with data cleaning processes of hydrographic data and subsequent incorporation into analyses </a:t>
             </a:r>
           </a:p>
           <a:p>

--- a/Project_Proposal_Slides_LV.pptx
+++ b/Project_Proposal_Slides_LV.pptx
@@ -200,7 +200,7 @@
           <a:p>
             <a:fld id="{0728AB40-FA66-4623-9ED9-611FF50BD7FC}" type="datetimeFigureOut">
               <a:rPr lang="en-US" smtClean="0"/>
-              <a:t>9/30/2021</a:t>
+              <a:t>10/6/2021</a:t>
             </a:fld>
             <a:endParaRPr lang="en-US"/>
           </a:p>
@@ -766,7 +766,7 @@
           <a:p>
             <a:fld id="{BFB827FB-318A-451D-9B42-EF4130AC7EE5}" type="datetimeFigureOut">
               <a:rPr lang="en-US" smtClean="0"/>
-              <a:t>9/30/2021</a:t>
+              <a:t>10/6/2021</a:t>
             </a:fld>
             <a:endParaRPr lang="en-US"/>
           </a:p>
@@ -994,7 +994,7 @@
           <a:p>
             <a:fld id="{BFB827FB-318A-451D-9B42-EF4130AC7EE5}" type="datetimeFigureOut">
               <a:rPr lang="en-US" smtClean="0"/>
-              <a:t>9/30/2021</a:t>
+              <a:t>10/6/2021</a:t>
             </a:fld>
             <a:endParaRPr lang="en-US"/>
           </a:p>
@@ -1174,7 +1174,7 @@
           <a:p>
             <a:fld id="{BFB827FB-318A-451D-9B42-EF4130AC7EE5}" type="datetimeFigureOut">
               <a:rPr lang="en-US" smtClean="0"/>
-              <a:t>9/30/2021</a:t>
+              <a:t>10/6/2021</a:t>
             </a:fld>
             <a:endParaRPr lang="en-US"/>
           </a:p>
@@ -1344,7 +1344,7 @@
           <a:p>
             <a:fld id="{BFB827FB-318A-451D-9B42-EF4130AC7EE5}" type="datetimeFigureOut">
               <a:rPr lang="en-US" smtClean="0"/>
-              <a:t>9/30/2021</a:t>
+              <a:t>10/6/2021</a:t>
             </a:fld>
             <a:endParaRPr lang="en-US"/>
           </a:p>
@@ -1598,7 +1598,7 @@
           <a:p>
             <a:fld id="{BFB827FB-318A-451D-9B42-EF4130AC7EE5}" type="datetimeFigureOut">
               <a:rPr lang="en-US" smtClean="0"/>
-              <a:t>9/30/2021</a:t>
+              <a:t>10/6/2021</a:t>
             </a:fld>
             <a:endParaRPr lang="en-US"/>
           </a:p>
@@ -1924,7 +1924,7 @@
           <a:p>
             <a:fld id="{BFB827FB-318A-451D-9B42-EF4130AC7EE5}" type="datetimeFigureOut">
               <a:rPr lang="en-US" smtClean="0"/>
-              <a:t>9/30/2021</a:t>
+              <a:t>10/6/2021</a:t>
             </a:fld>
             <a:endParaRPr lang="en-US"/>
           </a:p>
@@ -2375,7 +2375,7 @@
           <a:p>
             <a:fld id="{BFB827FB-318A-451D-9B42-EF4130AC7EE5}" type="datetimeFigureOut">
               <a:rPr lang="en-US" smtClean="0"/>
-              <a:t>9/30/2021</a:t>
+              <a:t>10/6/2021</a:t>
             </a:fld>
             <a:endParaRPr lang="en-US"/>
           </a:p>
@@ -2493,7 +2493,7 @@
           <a:p>
             <a:fld id="{BFB827FB-318A-451D-9B42-EF4130AC7EE5}" type="datetimeFigureOut">
               <a:rPr lang="en-US" smtClean="0"/>
-              <a:t>9/30/2021</a:t>
+              <a:t>10/6/2021</a:t>
             </a:fld>
             <a:endParaRPr lang="en-US"/>
           </a:p>
@@ -2588,7 +2588,7 @@
           <a:p>
             <a:fld id="{BFB827FB-318A-451D-9B42-EF4130AC7EE5}" type="datetimeFigureOut">
               <a:rPr lang="en-US" smtClean="0"/>
-              <a:t>9/30/2021</a:t>
+              <a:t>10/6/2021</a:t>
             </a:fld>
             <a:endParaRPr lang="en-US"/>
           </a:p>
@@ -2875,7 +2875,7 @@
           <a:p>
             <a:fld id="{BFB827FB-318A-451D-9B42-EF4130AC7EE5}" type="datetimeFigureOut">
               <a:rPr lang="en-US" smtClean="0"/>
-              <a:t>9/30/2021</a:t>
+              <a:t>10/6/2021</a:t>
             </a:fld>
             <a:endParaRPr lang="en-US"/>
           </a:p>
@@ -3197,7 +3197,7 @@
           <a:p>
             <a:fld id="{BFB827FB-318A-451D-9B42-EF4130AC7EE5}" type="datetimeFigureOut">
               <a:rPr lang="en-US" smtClean="0"/>
-              <a:t>9/30/2021</a:t>
+              <a:t>10/6/2021</a:t>
             </a:fld>
             <a:endParaRPr lang="en-US"/>
           </a:p>
@@ -3451,7 +3451,7 @@
           <a:p>
             <a:fld id="{BFB827FB-318A-451D-9B42-EF4130AC7EE5}" type="datetimeFigureOut">
               <a:rPr lang="en-US" smtClean="0"/>
-              <a:t>9/30/2021</a:t>
+              <a:t>10/6/2021</a:t>
             </a:fld>
             <a:endParaRPr lang="en-US"/>
           </a:p>
